--- a/private/Presentasjon.pptx
+++ b/private/Presentasjon.pptx
@@ -5,20 +5,21 @@
     <p:sldMasterId id="2147483648" r:id="rId1"/>
   </p:sldMasterIdLst>
   <p:notesMasterIdLst>
-    <p:notesMasterId r:id="rId10"/>
+    <p:notesMasterId r:id="rId11"/>
   </p:notesMasterIdLst>
   <p:handoutMasterIdLst>
-    <p:handoutMasterId r:id="rId11"/>
+    <p:handoutMasterId r:id="rId12"/>
   </p:handoutMasterIdLst>
   <p:sldIdLst>
     <p:sldId id="284" r:id="rId2"/>
     <p:sldId id="285" r:id="rId3"/>
     <p:sldId id="287" r:id="rId4"/>
-    <p:sldId id="288" r:id="rId5"/>
-    <p:sldId id="290" r:id="rId6"/>
-    <p:sldId id="291" r:id="rId7"/>
-    <p:sldId id="289" r:id="rId8"/>
-    <p:sldId id="286" r:id="rId9"/>
+    <p:sldId id="292" r:id="rId5"/>
+    <p:sldId id="288" r:id="rId6"/>
+    <p:sldId id="293" r:id="rId7"/>
+    <p:sldId id="291" r:id="rId8"/>
+    <p:sldId id="289" r:id="rId9"/>
+    <p:sldId id="286" r:id="rId10"/>
   </p:sldIdLst>
   <p:sldSz cx="9144000" cy="5143500" type="screen16x9"/>
   <p:notesSz cx="6858000" cy="9144000"/>
@@ -17442,10 +17443,84 @@
           <a:bodyPr/>
           <a:lstStyle/>
           <a:p>
-            <a:r>
-              <a:rPr lang="en-US" dirty="0" smtClean="0"/>
-              <a:t>Quick intro</a:t>
-            </a:r>
+            <a:pPr marL="285750" indent="-285750">
+              <a:buFont typeface="Arial" panose="020B0604020202020204" pitchFamily="34" charset="0"/>
+              <a:buChar char="•"/>
+            </a:pPr>
+            <a:r>
+              <a:rPr lang="en-US" dirty="0" smtClean="0"/>
+              <a:t>Open source application platform for building web (and mobile) applications using </a:t>
+            </a:r>
+            <a:r>
+              <a:rPr lang="en-US" dirty="0" smtClean="0"/>
+              <a:t>JavaScript</a:t>
+            </a:r>
+          </a:p>
+          <a:p>
+            <a:pPr marL="285750" indent="-285750">
+              <a:buFont typeface="Arial" panose="020B0604020202020204" pitchFamily="34" charset="0"/>
+              <a:buChar char="•"/>
+            </a:pPr>
+            <a:r>
+              <a:rPr lang="en-US" dirty="0" smtClean="0"/>
+              <a:t>Not Node.js (though it uses Node)</a:t>
+            </a:r>
+          </a:p>
+          <a:p>
+            <a:pPr marL="285750" indent="-285750">
+              <a:buFont typeface="Arial" panose="020B0604020202020204" pitchFamily="34" charset="0"/>
+              <a:buChar char="•"/>
+            </a:pPr>
+            <a:r>
+              <a:rPr lang="en-US" dirty="0" smtClean="0"/>
+              <a:t>Isomorphic</a:t>
+            </a:r>
+          </a:p>
+          <a:p>
+            <a:pPr marL="285750" indent="-285750">
+              <a:buFont typeface="Arial" panose="020B0604020202020204" pitchFamily="34" charset="0"/>
+              <a:buChar char="•"/>
+            </a:pPr>
+            <a:r>
+              <a:rPr lang="en-US" dirty="0" smtClean="0"/>
+              <a:t>Real time </a:t>
+            </a:r>
+          </a:p>
+          <a:p>
+            <a:pPr marL="285750" indent="-285750">
+              <a:buFont typeface="Arial" panose="020B0604020202020204" pitchFamily="34" charset="0"/>
+              <a:buChar char="•"/>
+            </a:pPr>
+            <a:r>
+              <a:rPr lang="en-US" dirty="0" smtClean="0"/>
+              <a:t>Main goal: Simplicity, to do a lot with as few lines of code as possible</a:t>
+            </a:r>
+          </a:p>
+          <a:p>
+            <a:pPr marL="554038" lvl="1" indent="-285750">
+              <a:buFont typeface="Arial" panose="020B0604020202020204" pitchFamily="34" charset="0"/>
+              <a:buChar char="•"/>
+            </a:pPr>
+            <a:r>
+              <a:rPr lang="en-US" dirty="0" smtClean="0"/>
+              <a:t>Sort of like building web applications with </a:t>
+            </a:r>
+            <a:r>
+              <a:rPr lang="en-US" dirty="0" err="1" smtClean="0"/>
+              <a:t>legos</a:t>
+            </a:r>
+            <a:r>
+              <a:rPr lang="en-US" dirty="0" smtClean="0"/>
+              <a:t>.</a:t>
+            </a:r>
+            <a:endParaRPr lang="en-US" dirty="0" smtClean="0"/>
+          </a:p>
+          <a:p>
+            <a:pPr marL="285750" indent="-285750">
+              <a:buFont typeface="Arial" panose="020B0604020202020204" pitchFamily="34" charset="0"/>
+              <a:buChar char="•"/>
+            </a:pPr>
+            <a:endParaRPr lang="en-US" dirty="0" smtClean="0"/>
           </a:p>
         </p:txBody>
       </p:sp>
@@ -17532,49 +17607,179 @@
           <a:bodyPr/>
           <a:lstStyle/>
           <a:p>
-            <a:r>
-              <a:rPr lang="en-US" dirty="0" smtClean="0"/>
-              <a:t>How to install</a:t>
-            </a:r>
-            <a:endParaRPr lang="en-US" dirty="0"/>
-          </a:p>
-          <a:p>
-            <a:r>
-              <a:rPr lang="en-US" dirty="0" smtClean="0"/>
-              <a:t>Structure</a:t>
-            </a:r>
-            <a:endParaRPr lang="en-US" dirty="0"/>
-          </a:p>
-          <a:p>
-            <a:r>
-              <a:rPr lang="en-US" dirty="0" smtClean="0"/>
-              <a:t>	</a:t>
-            </a:r>
-            <a:r>
-              <a:rPr lang="en-US" dirty="0" smtClean="0"/>
-              <a:t>Hard to find a best practice</a:t>
-            </a:r>
+            <a:pPr marL="285750" indent="-285750">
+              <a:buFont typeface="Arial" panose="020B0604020202020204" pitchFamily="34" charset="0"/>
+              <a:buChar char="•"/>
+            </a:pPr>
+            <a:r>
+              <a:rPr lang="en-US" dirty="0" smtClean="0"/>
+              <a:t>How to </a:t>
+            </a:r>
+            <a:r>
+              <a:rPr lang="en-US" dirty="0" smtClean="0"/>
+              <a:t>install:</a:t>
+            </a:r>
+          </a:p>
+          <a:p>
+            <a:pPr marL="554038" lvl="1" indent="-285750">
+              <a:buFont typeface="Arial" panose="020B0604020202020204" pitchFamily="34" charset="0"/>
+              <a:buChar char="•"/>
+            </a:pPr>
+            <a:r>
+              <a:rPr lang="en-US" dirty="0" smtClean="0"/>
+              <a:t>Mac: </a:t>
+            </a:r>
+          </a:p>
+          <a:p>
+            <a:pPr marL="554038" lvl="1" indent="-285750">
+              <a:buFont typeface="Arial" panose="020B0604020202020204" pitchFamily="34" charset="0"/>
+              <a:buChar char="•"/>
+            </a:pPr>
+            <a:r>
+              <a:rPr lang="en-US" dirty="0" smtClean="0"/>
+              <a:t>Windows: Use the </a:t>
+            </a:r>
+            <a:r>
+              <a:rPr lang="en-US" dirty="0"/>
+              <a:t>official installer: </a:t>
+            </a:r>
+            <a:r>
+              <a:rPr lang="en-US" dirty="0">
+                <a:hlinkClick r:id="rId2"/>
+              </a:rPr>
+              <a:t>https://</a:t>
+            </a:r>
+            <a:r>
+              <a:rPr lang="en-US" dirty="0" smtClean="0">
+                <a:hlinkClick r:id="rId2"/>
+              </a:rPr>
+              <a:t>install.meteor.com/windows</a:t>
+            </a:r>
+            <a:r>
+              <a:rPr lang="en-US" dirty="0" smtClean="0"/>
+              <a:t> </a:t>
+            </a:r>
+          </a:p>
+          <a:p>
+            <a:pPr marL="285750" indent="-285750">
+              <a:buFont typeface="Arial" panose="020B0604020202020204" pitchFamily="34" charset="0"/>
+              <a:buChar char="•"/>
+            </a:pPr>
+            <a:r>
+              <a:rPr lang="en-US" dirty="0" smtClean="0"/>
+              <a:t>Gives you a command-line tool</a:t>
+            </a:r>
+          </a:p>
+          <a:p>
+            <a:pPr marL="554038" lvl="1" indent="-285750">
+              <a:buFont typeface="Arial" panose="020B0604020202020204" pitchFamily="34" charset="0"/>
+              <a:buChar char="•"/>
+            </a:pPr>
+            <a:r>
+              <a:rPr lang="en-US" dirty="0" err="1" smtClean="0"/>
+              <a:t>Highligh</a:t>
+            </a:r>
+            <a:r>
+              <a:rPr lang="en-US" dirty="0" smtClean="0"/>
+              <a:t> commands:</a:t>
+            </a:r>
+          </a:p>
+          <a:p>
+            <a:pPr marL="820737" lvl="2" indent="-285750">
+              <a:buFont typeface="Arial" panose="020B0604020202020204" pitchFamily="34" charset="0"/>
+              <a:buChar char="•"/>
+            </a:pPr>
+            <a:r>
+              <a:rPr lang="en-US" dirty="0"/>
+              <a:t>m</a:t>
+            </a:r>
+            <a:r>
+              <a:rPr lang="en-US" dirty="0" smtClean="0"/>
+              <a:t>eteor create [</a:t>
+            </a:r>
+            <a:r>
+              <a:rPr lang="en-US" dirty="0" err="1" smtClean="0"/>
+              <a:t>appname</a:t>
+            </a:r>
+            <a:r>
+              <a:rPr lang="en-US" dirty="0" smtClean="0"/>
+              <a:t>]</a:t>
+            </a:r>
+          </a:p>
+          <a:p>
+            <a:pPr marL="820737" lvl="2" indent="-285750">
+              <a:buFont typeface="Arial" panose="020B0604020202020204" pitchFamily="34" charset="0"/>
+              <a:buChar char="•"/>
+            </a:pPr>
+            <a:r>
+              <a:rPr lang="en-US" dirty="0" smtClean="0"/>
+              <a:t>meteor or meteor run </a:t>
+            </a:r>
+          </a:p>
+          <a:p>
+            <a:pPr marL="820737" lvl="2" indent="-285750">
+              <a:buFont typeface="Arial" panose="020B0604020202020204" pitchFamily="34" charset="0"/>
+              <a:buChar char="•"/>
+            </a:pPr>
+            <a:r>
+              <a:rPr lang="en-US" dirty="0" smtClean="0"/>
+              <a:t>meteor mongo</a:t>
+            </a:r>
+          </a:p>
+          <a:p>
+            <a:pPr marL="820737" lvl="2" indent="-285750">
+              <a:buFont typeface="Arial" panose="020B0604020202020204" pitchFamily="34" charset="0"/>
+              <a:buChar char="•"/>
+            </a:pPr>
+            <a:r>
+              <a:rPr lang="en-US" dirty="0" smtClean="0"/>
+              <a:t>meteor add [package name]</a:t>
+            </a:r>
+          </a:p>
+          <a:p>
+            <a:pPr marL="820737" lvl="2" indent="-285750">
+              <a:buFont typeface="Arial" panose="020B0604020202020204" pitchFamily="34" charset="0"/>
+              <a:buChar char="•"/>
+            </a:pPr>
+            <a:r>
+              <a:rPr lang="en-US" dirty="0" smtClean="0"/>
+              <a:t>meteor create –package [package name]</a:t>
+            </a:r>
+            <a:endParaRPr lang="en-US" dirty="0" smtClean="0"/>
           </a:p>
           <a:p>
             <a:r>
               <a:rPr lang="en-US" dirty="0"/>
               <a:t>	</a:t>
             </a:r>
-            <a:r>
-              <a:rPr lang="en-US" dirty="0" smtClean="0"/>
-              <a:t>Packages might be the way to go</a:t>
-            </a:r>
-            <a:endParaRPr lang="en-US" dirty="0" smtClean="0"/>
-          </a:p>
-          <a:p>
-            <a:r>
-              <a:rPr lang="en-US" dirty="0"/>
-              <a:t>	</a:t>
-            </a:r>
             <a:endParaRPr lang="en-US" dirty="0" smtClean="0"/>
           </a:p>
         </p:txBody>
       </p:sp>
+      <p:pic>
+        <p:nvPicPr>
+          <p:cNvPr id="3" name="Picture 2"/>
+          <p:cNvPicPr>
+            <a:picLocks noChangeAspect="1"/>
+          </p:cNvPicPr>
+          <p:nvPr/>
+        </p:nvPicPr>
+        <p:blipFill>
+          <a:blip r:embed="rId3"/>
+          <a:stretch>
+            <a:fillRect/>
+          </a:stretch>
+        </p:blipFill>
+        <p:spPr>
+          <a:xfrm>
+            <a:off x="1502715" y="1295278"/>
+            <a:ext cx="3169351" cy="414232"/>
+          </a:xfrm>
+          <a:prstGeom prst="rect">
+            <a:avLst/>
+          </a:prstGeom>
+        </p:spPr>
+      </p:pic>
     </p:spTree>
     <p:extLst>
       <p:ext uri="{BB962C8B-B14F-4D97-AF65-F5344CB8AC3E}">
@@ -17617,7 +17822,7 @@
       </p:grpSpPr>
       <p:sp>
         <p:nvSpPr>
-          <p:cNvPr id="9" name="Title 8"/>
+          <p:cNvPr id="2" name="Title 1"/>
           <p:cNvSpPr>
             <a:spLocks noGrp="1"/>
           </p:cNvSpPr>
@@ -17636,16 +17841,16 @@
           <a:lstStyle/>
           <a:p>
             <a:r>
-              <a:rPr lang="en-US" dirty="0" smtClean="0"/>
+              <a:rPr lang="nb-NO" dirty="0" smtClean="0"/>
               <a:t>Templates</a:t>
             </a:r>
-            <a:endParaRPr lang="en-US" dirty="0"/>
+            <a:endParaRPr lang="nb-NO" dirty="0"/>
           </a:p>
         </p:txBody>
       </p:sp>
       <p:sp>
         <p:nvSpPr>
-          <p:cNvPr id="10" name="Content Placeholder 9"/>
+          <p:cNvPr id="3" name="Content Placeholder 2"/>
           <p:cNvSpPr>
             <a:spLocks noGrp="1"/>
           </p:cNvSpPr>
@@ -17653,110 +17858,145 @@
             <p:ph idx="1"/>
           </p:nvPr>
         </p:nvSpPr>
-        <p:spPr/>
+        <p:spPr>
+          <a:xfrm>
+            <a:off x="517395" y="1862028"/>
+            <a:ext cx="4939315" cy="1874806"/>
+          </a:xfrm>
+        </p:spPr>
         <p:txBody>
           <a:bodyPr/>
           <a:lstStyle/>
           <a:p>
-            <a:r>
-              <a:rPr lang="en-US" dirty="0" smtClean="0"/>
+            <a:pPr marL="285750" indent="-285750">
+              <a:buFont typeface="Arial" panose="020B0604020202020204" pitchFamily="34" charset="0"/>
+              <a:buChar char="•"/>
+            </a:pPr>
+            <a:r>
+              <a:rPr lang="nb-NO" dirty="0" smtClean="0"/>
               <a:t>Blaze/Spacebars</a:t>
             </a:r>
           </a:p>
           <a:p>
-            <a:r>
-              <a:rPr lang="en-US" dirty="0"/>
-              <a:t>	</a:t>
-            </a:r>
-            <a:r>
-              <a:rPr lang="en-US" dirty="0" smtClean="0"/>
-              <a:t>Almost Handlebars</a:t>
-            </a:r>
-            <a:endParaRPr lang="en-US" dirty="0" smtClean="0"/>
-          </a:p>
-          <a:p>
-            <a:r>
-              <a:rPr lang="en-US" dirty="0"/>
-              <a:t>Template object</a:t>
-            </a:r>
-          </a:p>
-          <a:p>
-            <a:r>
-              <a:rPr lang="en-US" dirty="0"/>
-              <a:t>	events</a:t>
-            </a:r>
-          </a:p>
-          <a:p>
-            <a:r>
-              <a:rPr lang="en-US" dirty="0"/>
-              <a:t>	helpers</a:t>
-            </a:r>
-          </a:p>
-          <a:p>
-            <a:r>
-              <a:rPr lang="en-US" dirty="0"/>
-              <a:t>	global helpers</a:t>
-            </a:r>
-          </a:p>
-          <a:p>
-            <a:endParaRPr lang="en-US" dirty="0" smtClean="0"/>
-          </a:p>
-          <a:p>
-            <a:r>
-              <a:rPr lang="en-US" dirty="0" smtClean="0"/>
-              <a:t>Router</a:t>
-            </a:r>
-          </a:p>
-          <a:p>
-            <a:r>
-              <a:rPr lang="en-US" dirty="0"/>
-              <a:t>	</a:t>
-            </a:r>
-            <a:r>
-              <a:rPr lang="en-US" dirty="0" err="1" smtClean="0"/>
-              <a:t>config</a:t>
-            </a:r>
-            <a:endParaRPr lang="en-US" dirty="0" smtClean="0"/>
-          </a:p>
-          <a:p>
-            <a:r>
-              <a:rPr lang="en-US" dirty="0"/>
-              <a:t>	</a:t>
-            </a:r>
-            <a:r>
-              <a:rPr lang="en-US" dirty="0" smtClean="0"/>
-              <a:t>wait on</a:t>
-            </a:r>
-          </a:p>
-          <a:p>
-            <a:r>
-              <a:rPr lang="en-US" dirty="0"/>
-              <a:t>	</a:t>
-            </a:r>
-            <a:r>
-              <a:rPr lang="en-US" dirty="0" smtClean="0"/>
-              <a:t>data</a:t>
-            </a:r>
-          </a:p>
-          <a:p>
-            <a:r>
-              <a:rPr lang="en-US" dirty="0"/>
-              <a:t>	</a:t>
-            </a:r>
-            <a:r>
-              <a:rPr lang="en-US" dirty="0" smtClean="0"/>
-              <a:t>named route and template helpers</a:t>
-            </a:r>
-          </a:p>
-          <a:p>
-            <a:endParaRPr lang="en-US" dirty="0"/>
+            <a:pPr marL="554038" lvl="1" indent="-285750">
+              <a:buFont typeface="Arial" panose="020B0604020202020204" pitchFamily="34" charset="0"/>
+              <a:buChar char="•"/>
+            </a:pPr>
+            <a:r>
+              <a:rPr lang="nb-NO" dirty="0" smtClean="0"/>
+              <a:t>Looks like Handlebars</a:t>
+            </a:r>
+            <a:endParaRPr lang="nb-NO" dirty="0"/>
+          </a:p>
+          <a:p>
+            <a:pPr marL="554038" lvl="1" indent="-285750">
+              <a:buFont typeface="Arial" panose="020B0604020202020204" pitchFamily="34" charset="0"/>
+              <a:buChar char="•"/>
+            </a:pPr>
+            <a:r>
+              <a:rPr lang="nb-NO" dirty="0" smtClean="0"/>
+              <a:t>Represented as objects on the global Template object</a:t>
+            </a:r>
+          </a:p>
+          <a:p>
+            <a:pPr marL="554038" lvl="1" indent="-285750">
+              <a:buFont typeface="Arial" panose="020B0604020202020204" pitchFamily="34" charset="0"/>
+              <a:buChar char="•"/>
+            </a:pPr>
+            <a:r>
+              <a:rPr lang="nb-NO" dirty="0" smtClean="0"/>
+              <a:t>Allows you to write helpers, listen to events</a:t>
+            </a:r>
+          </a:p>
+          <a:p>
+            <a:pPr marL="820737" lvl="2" indent="-285750">
+              <a:buFont typeface="Arial" panose="020B0604020202020204" pitchFamily="34" charset="0"/>
+              <a:buChar char="•"/>
+            </a:pPr>
+            <a:r>
+              <a:rPr lang="nb-NO" dirty="0" smtClean="0"/>
+              <a:t>Can also have global helpers.</a:t>
+            </a:r>
+            <a:endParaRPr lang="nb-NO" dirty="0"/>
           </a:p>
         </p:txBody>
       </p:sp>
+      <p:pic>
+        <p:nvPicPr>
+          <p:cNvPr id="4" name="Picture 3"/>
+          <p:cNvPicPr>
+            <a:picLocks noChangeAspect="1"/>
+          </p:cNvPicPr>
+          <p:nvPr/>
+        </p:nvPicPr>
+        <p:blipFill>
+          <a:blip r:embed="rId2"/>
+          <a:stretch>
+            <a:fillRect/>
+          </a:stretch>
+        </p:blipFill>
+        <p:spPr>
+          <a:xfrm>
+            <a:off x="5903121" y="1059740"/>
+            <a:ext cx="2458193" cy="1497589"/>
+          </a:xfrm>
+          <a:prstGeom prst="rect">
+            <a:avLst/>
+          </a:prstGeom>
+        </p:spPr>
+      </p:pic>
+      <p:pic>
+        <p:nvPicPr>
+          <p:cNvPr id="6" name="Picture 5"/>
+          <p:cNvPicPr>
+            <a:picLocks noChangeAspect="1"/>
+          </p:cNvPicPr>
+          <p:nvPr/>
+        </p:nvPicPr>
+        <p:blipFill>
+          <a:blip r:embed="rId3"/>
+          <a:stretch>
+            <a:fillRect/>
+          </a:stretch>
+        </p:blipFill>
+        <p:spPr>
+          <a:xfrm>
+            <a:off x="5861365" y="2799431"/>
+            <a:ext cx="2412459" cy="822543"/>
+          </a:xfrm>
+          <a:prstGeom prst="rect">
+            <a:avLst/>
+          </a:prstGeom>
+        </p:spPr>
+      </p:pic>
+      <p:pic>
+        <p:nvPicPr>
+          <p:cNvPr id="7" name="Picture 6"/>
+          <p:cNvPicPr>
+            <a:picLocks noChangeAspect="1"/>
+          </p:cNvPicPr>
+          <p:nvPr/>
+        </p:nvPicPr>
+        <p:blipFill>
+          <a:blip r:embed="rId4"/>
+          <a:stretch>
+            <a:fillRect/>
+          </a:stretch>
+        </p:blipFill>
+        <p:spPr>
+          <a:xfrm>
+            <a:off x="5903121" y="3869098"/>
+            <a:ext cx="2409604" cy="1258979"/>
+          </a:xfrm>
+          <a:prstGeom prst="rect">
+            <a:avLst/>
+          </a:prstGeom>
+        </p:spPr>
+      </p:pic>
     </p:spTree>
     <p:extLst>
       <p:ext uri="{BB962C8B-B14F-4D97-AF65-F5344CB8AC3E}">
-        <p14:creationId xmlns:p14="http://schemas.microsoft.com/office/powerpoint/2010/main" val="131861751"/>
+        <p14:creationId xmlns:p14="http://schemas.microsoft.com/office/powerpoint/2010/main" val="3396435669"/>
       </p:ext>
     </p:extLst>
   </p:cSld>
@@ -17806,7 +18046,7 @@
         <p:spPr>
           <a:xfrm>
             <a:off x="376445" y="294773"/>
-            <a:ext cx="3747501" cy="261610"/>
+            <a:ext cx="1223733" cy="261610"/>
           </a:xfrm>
         </p:spPr>
         <p:txBody>
@@ -17815,7 +18055,7 @@
           <a:p>
             <a:r>
               <a:rPr lang="en-US" dirty="0" smtClean="0"/>
-              <a:t>Data handling and security</a:t>
+              <a:t>Routing</a:t>
             </a:r>
             <a:endParaRPr lang="en-US" dirty="0"/>
           </a:p>
@@ -17836,9 +18076,91 @@
           <a:bodyPr/>
           <a:lstStyle/>
           <a:p>
-            <a:r>
-              <a:rPr lang="en-US" dirty="0" err="1" smtClean="0"/>
-              <a:t>MongoDb</a:t>
+            <a:pPr marL="285750" indent="-285750">
+              <a:buFont typeface="Arial" panose="020B0604020202020204" pitchFamily="34" charset="0"/>
+              <a:buChar char="•"/>
+            </a:pPr>
+            <a:r>
+              <a:rPr lang="en-US" dirty="0" err="1" smtClean="0"/>
+              <a:t>iron:router</a:t>
+            </a:r>
+            <a:endParaRPr lang="en-US" dirty="0" smtClean="0"/>
+          </a:p>
+          <a:p>
+            <a:pPr marL="554038" lvl="1" indent="-285750">
+              <a:buFont typeface="Arial" panose="020B0604020202020204" pitchFamily="34" charset="0"/>
+              <a:buChar char="•"/>
+            </a:pPr>
+            <a:r>
+              <a:rPr lang="en-US" dirty="0"/>
+              <a:t>D</a:t>
+            </a:r>
+            <a:r>
+              <a:rPr lang="en-US" dirty="0" smtClean="0"/>
+              <a:t>e facto standard for routing with Meteor</a:t>
+            </a:r>
+          </a:p>
+          <a:p>
+            <a:pPr marL="554038" lvl="1" indent="-285750">
+              <a:buFont typeface="Arial" panose="020B0604020202020204" pitchFamily="34" charset="0"/>
+              <a:buChar char="•"/>
+            </a:pPr>
+            <a:r>
+              <a:rPr lang="en-US" dirty="0" smtClean="0"/>
+              <a:t>Typically renders a template into a layout template</a:t>
+            </a:r>
+          </a:p>
+          <a:p>
+            <a:pPr marL="820737" lvl="2" indent="-285750">
+              <a:buFont typeface="Arial" panose="020B0604020202020204" pitchFamily="34" charset="0"/>
+              <a:buChar char="•"/>
+            </a:pPr>
+            <a:r>
+              <a:rPr lang="en-US" dirty="0" smtClean="0"/>
+              <a:t>Can have multiple areas where content can go (in this workshop we only have one)</a:t>
+            </a:r>
+            <a:endParaRPr lang="en-US" dirty="0" smtClean="0"/>
+          </a:p>
+          <a:p>
+            <a:pPr marL="554038" lvl="1" indent="-285750">
+              <a:buFont typeface="Arial" panose="020B0604020202020204" pitchFamily="34" charset="0"/>
+              <a:buChar char="•"/>
+            </a:pPr>
+            <a:r>
+              <a:rPr lang="en-US" dirty="0" smtClean="0"/>
+              <a:t>Global configuration, </a:t>
+            </a:r>
+            <a:r>
+              <a:rPr lang="en-US" dirty="0" err="1" smtClean="0"/>
+              <a:t>config</a:t>
+            </a:r>
+            <a:r>
+              <a:rPr lang="en-US" dirty="0" smtClean="0"/>
+              <a:t> pr. Route</a:t>
+            </a:r>
+          </a:p>
+          <a:p>
+            <a:pPr marL="554038" lvl="1" indent="-285750">
+              <a:buFont typeface="Arial" panose="020B0604020202020204" pitchFamily="34" charset="0"/>
+              <a:buChar char="•"/>
+            </a:pPr>
+            <a:r>
+              <a:rPr lang="en-US" dirty="0" smtClean="0"/>
+              <a:t>Custom controllers</a:t>
+            </a:r>
+          </a:p>
+          <a:p>
+            <a:pPr marL="554038" lvl="1" indent="-285750">
+              <a:buFont typeface="Arial" panose="020B0604020202020204" pitchFamily="34" charset="0"/>
+              <a:buChar char="•"/>
+            </a:pPr>
+            <a:r>
+              <a:rPr lang="en-US" dirty="0" err="1" smtClean="0"/>
+              <a:t>Etc</a:t>
+            </a:r>
+            <a:r>
+              <a:rPr lang="en-US" dirty="0" smtClean="0"/>
+              <a:t>, etc…</a:t>
             </a:r>
             <a:endParaRPr lang="en-US" dirty="0" smtClean="0"/>
           </a:p>
@@ -17847,139 +18169,37 @@
               <a:rPr lang="en-US" dirty="0"/>
               <a:t>	</a:t>
             </a:r>
-            <a:r>
-              <a:rPr lang="en-US" dirty="0" smtClean="0"/>
-              <a:t>Collections</a:t>
-            </a:r>
-          </a:p>
-          <a:p>
-            <a:r>
-              <a:rPr lang="en-US" dirty="0"/>
-              <a:t>	</a:t>
-            </a:r>
-            <a:r>
-              <a:rPr lang="en-US" dirty="0" smtClean="0"/>
-              <a:t>Mongo syntax relevant for workshop</a:t>
-            </a:r>
-            <a:endParaRPr lang="en-US" dirty="0" smtClean="0"/>
-          </a:p>
-          <a:p>
-            <a:r>
-              <a:rPr lang="en-US" dirty="0" smtClean="0"/>
-              <a:t>Methods</a:t>
-            </a:r>
-          </a:p>
-          <a:p>
-            <a:r>
-              <a:rPr lang="en-US" dirty="0"/>
-              <a:t>	</a:t>
-            </a:r>
-            <a:r>
-              <a:rPr lang="en-US" dirty="0" smtClean="0"/>
-              <a:t>packages </a:t>
-            </a:r>
-            <a:r>
-              <a:rPr lang="en-US" dirty="0" err="1" smtClean="0"/>
-              <a:t>autopublish</a:t>
-            </a:r>
-            <a:r>
-              <a:rPr lang="en-US" dirty="0" smtClean="0"/>
-              <a:t> and insecure (removed)</a:t>
-            </a:r>
-            <a:endParaRPr lang="en-US" dirty="0" smtClean="0"/>
-          </a:p>
-          <a:p>
-            <a:r>
-              <a:rPr lang="en-US" dirty="0"/>
-              <a:t>	</a:t>
-            </a:r>
-            <a:r>
-              <a:rPr lang="en-US" dirty="0" smtClean="0"/>
-              <a:t>Security</a:t>
-            </a:r>
-          </a:p>
-          <a:p>
-            <a:r>
-              <a:rPr lang="en-US" dirty="0"/>
-              <a:t>	</a:t>
-            </a:r>
-            <a:r>
-              <a:rPr lang="en-US" dirty="0" smtClean="0"/>
-              <a:t>Latency compensation</a:t>
-            </a:r>
-            <a:endParaRPr lang="en-US" dirty="0" smtClean="0"/>
-          </a:p>
-          <a:p>
-            <a:r>
-              <a:rPr lang="en-US" dirty="0" smtClean="0"/>
-              <a:t>Publish/subscribe</a:t>
-            </a:r>
-          </a:p>
-          <a:p>
-            <a:r>
-              <a:rPr lang="en-US" dirty="0"/>
-              <a:t>	</a:t>
-            </a:r>
-            <a:r>
-              <a:rPr lang="en-US" dirty="0" smtClean="0"/>
-              <a:t>Either publish entire records, or subsets. </a:t>
-            </a:r>
-          </a:p>
-          <a:p>
-            <a:r>
-              <a:rPr lang="en-US" dirty="0"/>
-              <a:t>	</a:t>
-            </a:r>
-            <a:r>
-              <a:rPr lang="en-US" dirty="0" smtClean="0"/>
-              <a:t>Typical for publishing profiles of users (as this field is not published by default)</a:t>
-            </a:r>
-          </a:p>
-          <a:p>
-            <a:r>
-              <a:rPr lang="en-US" dirty="0" smtClean="0"/>
-              <a:t>Helpers: </a:t>
-            </a:r>
-            <a:r>
-              <a:rPr lang="en-US" dirty="0" err="1" smtClean="0"/>
-              <a:t>Meteor.user</a:t>
-            </a:r>
-            <a:r>
-              <a:rPr lang="en-US" dirty="0" smtClean="0"/>
-              <a:t>(), </a:t>
-            </a:r>
-            <a:r>
-              <a:rPr lang="en-US" dirty="0" err="1" smtClean="0"/>
-              <a:t>Meteor.users</a:t>
-            </a:r>
-            <a:r>
-              <a:rPr lang="en-US" dirty="0" smtClean="0"/>
-              <a:t>, </a:t>
-            </a:r>
-            <a:r>
-              <a:rPr lang="en-US" dirty="0" err="1" smtClean="0"/>
-              <a:t>Meteor.userId</a:t>
-            </a:r>
-            <a:r>
-              <a:rPr lang="en-US" dirty="0" smtClean="0"/>
-              <a:t> {{</a:t>
-            </a:r>
-            <a:r>
-              <a:rPr lang="en-US" dirty="0" err="1" smtClean="0"/>
-              <a:t>currentUser</a:t>
-            </a:r>
-            <a:r>
-              <a:rPr lang="en-US" dirty="0" smtClean="0"/>
-              <a:t>}}</a:t>
-            </a:r>
-            <a:endParaRPr lang="en-US" dirty="0"/>
           </a:p>
         </p:txBody>
       </p:sp>
+      <p:pic>
+        <p:nvPicPr>
+          <p:cNvPr id="3" name="Picture 2"/>
+          <p:cNvPicPr>
+            <a:picLocks noChangeAspect="1"/>
+          </p:cNvPicPr>
+          <p:nvPr/>
+        </p:nvPicPr>
+        <p:blipFill>
+          <a:blip r:embed="rId2"/>
+          <a:stretch>
+            <a:fillRect/>
+          </a:stretch>
+        </p:blipFill>
+        <p:spPr>
+          <a:xfrm>
+            <a:off x="3087584" y="2609693"/>
+            <a:ext cx="5155808" cy="2387756"/>
+          </a:xfrm>
+          <a:prstGeom prst="rect">
+            <a:avLst/>
+          </a:prstGeom>
+        </p:spPr>
+      </p:pic>
     </p:spTree>
     <p:extLst>
       <p:ext uri="{BB962C8B-B14F-4D97-AF65-F5344CB8AC3E}">
-        <p14:creationId xmlns:p14="http://schemas.microsoft.com/office/powerpoint/2010/main" val="2168153852"/>
+        <p14:creationId xmlns:p14="http://schemas.microsoft.com/office/powerpoint/2010/main" val="131861751"/>
       </p:ext>
     </p:extLst>
   </p:cSld>
@@ -18029,7 +18249,7 @@
         <p:spPr>
           <a:xfrm>
             <a:off x="376445" y="294773"/>
-            <a:ext cx="1569660" cy="261610"/>
+            <a:ext cx="1722908" cy="261610"/>
           </a:xfrm>
         </p:spPr>
         <p:txBody>
@@ -18038,7 +18258,7 @@
           <a:p>
             <a:r>
               <a:rPr lang="nb-NO" dirty="0" smtClean="0"/>
-              <a:t>Reactivity</a:t>
+              <a:t>Collections</a:t>
             </a:r>
             <a:endParaRPr lang="nb-NO" dirty="0"/>
           </a:p>
@@ -18061,6 +18281,201 @@
           <a:p>
             <a:r>
               <a:rPr lang="nb-NO" dirty="0" smtClean="0"/>
+              <a:t>MongoDb! – others on the way</a:t>
+            </a:r>
+          </a:p>
+          <a:p>
+            <a:endParaRPr lang="nb-NO" dirty="0"/>
+          </a:p>
+          <a:p>
+            <a:endParaRPr lang="nb-NO" dirty="0" smtClean="0"/>
+          </a:p>
+          <a:p>
+            <a:endParaRPr lang="nb-NO" dirty="0"/>
+          </a:p>
+          <a:p>
+            <a:r>
+              <a:rPr lang="nb-NO" dirty="0" smtClean="0"/>
+              <a:t>Publish/Subscribe – full control</a:t>
+            </a:r>
+          </a:p>
+          <a:p>
+            <a:endParaRPr lang="nb-NO" dirty="0"/>
+          </a:p>
+          <a:p>
+            <a:endParaRPr lang="nb-NO" dirty="0" smtClean="0"/>
+          </a:p>
+          <a:p>
+            <a:endParaRPr lang="nb-NO" dirty="0"/>
+          </a:p>
+          <a:p>
+            <a:r>
+              <a:rPr lang="nb-NO" dirty="0" smtClean="0"/>
+              <a:t>Methods – security and latency compensation</a:t>
+            </a:r>
+          </a:p>
+          <a:p>
+            <a:endParaRPr lang="nb-NO" dirty="0" smtClean="0"/>
+          </a:p>
+        </p:txBody>
+      </p:sp>
+      <p:pic>
+        <p:nvPicPr>
+          <p:cNvPr id="5" name="Picture 4"/>
+          <p:cNvPicPr>
+            <a:picLocks noChangeAspect="1"/>
+          </p:cNvPicPr>
+          <p:nvPr/>
+        </p:nvPicPr>
+        <p:blipFill>
+          <a:blip r:embed="rId2"/>
+          <a:stretch>
+            <a:fillRect/>
+          </a:stretch>
+        </p:blipFill>
+        <p:spPr>
+          <a:xfrm>
+            <a:off x="386767" y="1388720"/>
+            <a:ext cx="6501108" cy="835581"/>
+          </a:xfrm>
+          <a:prstGeom prst="rect">
+            <a:avLst/>
+          </a:prstGeom>
+        </p:spPr>
+      </p:pic>
+      <p:pic>
+        <p:nvPicPr>
+          <p:cNvPr id="6" name="Picture 5"/>
+          <p:cNvPicPr>
+            <a:picLocks noChangeAspect="1"/>
+          </p:cNvPicPr>
+          <p:nvPr/>
+        </p:nvPicPr>
+        <p:blipFill>
+          <a:blip r:embed="rId3"/>
+          <a:stretch>
+            <a:fillRect/>
+          </a:stretch>
+        </p:blipFill>
+        <p:spPr>
+          <a:xfrm>
+            <a:off x="428028" y="2674135"/>
+            <a:ext cx="6418585" cy="936740"/>
+          </a:xfrm>
+          <a:prstGeom prst="rect">
+            <a:avLst/>
+          </a:prstGeom>
+        </p:spPr>
+      </p:pic>
+      <p:pic>
+        <p:nvPicPr>
+          <p:cNvPr id="7" name="Picture 6"/>
+          <p:cNvPicPr>
+            <a:picLocks noChangeAspect="1"/>
+          </p:cNvPicPr>
+          <p:nvPr/>
+        </p:nvPicPr>
+        <p:blipFill>
+          <a:blip r:embed="rId4"/>
+          <a:stretch>
+            <a:fillRect/>
+          </a:stretch>
+        </p:blipFill>
+        <p:spPr>
+          <a:xfrm>
+            <a:off x="428028" y="4095078"/>
+            <a:ext cx="6364658" cy="676488"/>
+          </a:xfrm>
+          <a:prstGeom prst="rect">
+            <a:avLst/>
+          </a:prstGeom>
+        </p:spPr>
+      </p:pic>
+    </p:spTree>
+    <p:extLst>
+      <p:ext uri="{BB962C8B-B14F-4D97-AF65-F5344CB8AC3E}">
+        <p14:creationId xmlns:p14="http://schemas.microsoft.com/office/powerpoint/2010/main" val="1628400651"/>
+      </p:ext>
+    </p:extLst>
+  </p:cSld>
+  <p:clrMapOvr>
+    <a:masterClrMapping/>
+  </p:clrMapOvr>
+  <p:transition>
+    <p:fade thruBlk="1"/>
+  </p:transition>
+  <p:timing>
+    <p:tnLst>
+      <p:par>
+        <p:cTn id="1" dur="indefinite" restart="never" nodeType="tmRoot"/>
+      </p:par>
+    </p:tnLst>
+  </p:timing>
+</p:sld>
+</file>
+
+<file path=ppt/slides/slide7.xml><?xml version="1.0" encoding="utf-8"?>
+<p:sld xmlns:a="http://schemas.openxmlformats.org/drawingml/2006/main" xmlns:r="http://schemas.openxmlformats.org/officeDocument/2006/relationships" xmlns:p="http://schemas.openxmlformats.org/presentationml/2006/main">
+  <p:cSld>
+    <p:spTree>
+      <p:nvGrpSpPr>
+        <p:cNvPr id="1" name=""/>
+        <p:cNvGrpSpPr/>
+        <p:nvPr/>
+      </p:nvGrpSpPr>
+      <p:grpSpPr>
+        <a:xfrm>
+          <a:off x="0" y="0"/>
+          <a:ext cx="0" cy="0"/>
+          <a:chOff x="0" y="0"/>
+          <a:chExt cx="0" cy="0"/>
+        </a:xfrm>
+      </p:grpSpPr>
+      <p:sp>
+        <p:nvSpPr>
+          <p:cNvPr id="2" name="Title 1"/>
+          <p:cNvSpPr>
+            <a:spLocks noGrp="1"/>
+          </p:cNvSpPr>
+          <p:nvPr>
+            <p:ph type="title"/>
+          </p:nvPr>
+        </p:nvSpPr>
+        <p:spPr>
+          <a:xfrm>
+            <a:off x="376445" y="294773"/>
+            <a:ext cx="1569660" cy="261610"/>
+          </a:xfrm>
+        </p:spPr>
+        <p:txBody>
+          <a:bodyPr/>
+          <a:lstStyle/>
+          <a:p>
+            <a:r>
+              <a:rPr lang="nb-NO" dirty="0" smtClean="0"/>
+              <a:t>Reactivity</a:t>
+            </a:r>
+            <a:endParaRPr lang="nb-NO" dirty="0"/>
+          </a:p>
+        </p:txBody>
+      </p:sp>
+      <p:sp>
+        <p:nvSpPr>
+          <p:cNvPr id="3" name="Content Placeholder 2"/>
+          <p:cNvSpPr>
+            <a:spLocks noGrp="1"/>
+          </p:cNvSpPr>
+          <p:nvPr>
+            <p:ph idx="1"/>
+          </p:nvPr>
+        </p:nvSpPr>
+        <p:spPr/>
+        <p:txBody>
+          <a:bodyPr/>
+          <a:lstStyle/>
+          <a:p>
+            <a:r>
+              <a:rPr lang="nb-NO" dirty="0" smtClean="0"/>
               <a:t>All collections are reactive</a:t>
             </a:r>
           </a:p>
@@ -18122,10 +18537,17 @@
   <p:transition>
     <p:fade thruBlk="1"/>
   </p:transition>
+  <p:timing>
+    <p:tnLst>
+      <p:par>
+        <p:cTn id="1" dur="indefinite" restart="never" nodeType="tmRoot"/>
+      </p:par>
+    </p:tnLst>
+  </p:timing>
 </p:sld>
 </file>
 
-<file path=ppt/slides/slide7.xml><?xml version="1.0" encoding="utf-8"?>
+<file path=ppt/slides/slide8.xml><?xml version="1.0" encoding="utf-8"?>
 <p:sld xmlns:a="http://schemas.openxmlformats.org/drawingml/2006/main" xmlns:r="http://schemas.openxmlformats.org/officeDocument/2006/relationships" xmlns:p="http://schemas.openxmlformats.org/presentationml/2006/main">
   <p:cSld>
     <p:spTree>
@@ -18187,7 +18609,89 @@
           <a:p>
             <a:r>
               <a:rPr lang="en-US" dirty="0" smtClean="0"/>
-              <a:t>File load order -&gt; thus packages may be better, as you here can control load flow.</a:t>
+              <a:t>File load order </a:t>
+            </a:r>
+            <a:r>
+              <a:rPr lang="en-US" dirty="0" smtClean="0"/>
+              <a:t>, from the docs:</a:t>
+            </a:r>
+          </a:p>
+          <a:p>
+            <a:pPr marL="611188" lvl="1" indent="-342900">
+              <a:buFont typeface="+mj-lt"/>
+              <a:buAutoNum type="arabicPeriod"/>
+            </a:pPr>
+            <a:r>
+              <a:rPr lang="en-US" dirty="0" smtClean="0"/>
+              <a:t>Html template files are </a:t>
+            </a:r>
+            <a:r>
+              <a:rPr lang="en-US" i="1" dirty="0" smtClean="0"/>
+              <a:t>always</a:t>
+            </a:r>
+            <a:r>
+              <a:rPr lang="en-US" dirty="0" smtClean="0"/>
+              <a:t> loaded before everything else</a:t>
+            </a:r>
+          </a:p>
+          <a:p>
+            <a:pPr marL="611188" lvl="1" indent="-342900">
+              <a:buFont typeface="+mj-lt"/>
+              <a:buAutoNum type="arabicPeriod"/>
+            </a:pPr>
+            <a:r>
+              <a:rPr lang="en-US" dirty="0" smtClean="0"/>
+              <a:t>Files beginning with main. are loaded last</a:t>
+            </a:r>
+          </a:p>
+          <a:p>
+            <a:pPr marL="611188" lvl="1" indent="-342900">
+              <a:buFont typeface="+mj-lt"/>
+              <a:buAutoNum type="arabicPeriod"/>
+            </a:pPr>
+            <a:r>
+              <a:rPr lang="en-US" dirty="0" smtClean="0"/>
+              <a:t>Files inside </a:t>
+            </a:r>
+            <a:r>
+              <a:rPr lang="en-US" i="1" dirty="0" smtClean="0"/>
+              <a:t>any</a:t>
+            </a:r>
+            <a:r>
+              <a:rPr lang="en-US" dirty="0" smtClean="0"/>
+              <a:t> lib/ directory are loaded next</a:t>
+            </a:r>
+          </a:p>
+          <a:p>
+            <a:pPr marL="611188" lvl="1" indent="-342900">
+              <a:buFont typeface="+mj-lt"/>
+              <a:buAutoNum type="arabicPeriod"/>
+            </a:pPr>
+            <a:r>
+              <a:rPr lang="en-US" dirty="0" smtClean="0"/>
+              <a:t>Files with deeper paths are loaded next</a:t>
+            </a:r>
+          </a:p>
+          <a:p>
+            <a:pPr marL="611188" lvl="1" indent="-342900">
+              <a:buFont typeface="+mj-lt"/>
+              <a:buAutoNum type="arabicPeriod"/>
+            </a:pPr>
+            <a:r>
+              <a:rPr lang="en-US" dirty="0" smtClean="0"/>
+              <a:t>Files are then loaded in alphabetical order of the entire path</a:t>
+            </a:r>
+          </a:p>
+          <a:p>
+            <a:r>
+              <a:rPr lang="en-US" dirty="0" smtClean="0"/>
+              <a:t>Packages give you more control, so it may be the way to go.</a:t>
+            </a:r>
+          </a:p>
+          <a:p>
+            <a:r>
+              <a:rPr lang="en-US" dirty="0" smtClean="0"/>
+              <a:t>But we actually don’t know!</a:t>
             </a:r>
           </a:p>
           <a:p>
@@ -18197,54 +18701,30 @@
             </a:r>
             <a:r>
               <a:rPr lang="en-US" dirty="0" smtClean="0"/>
-              <a:t>Read more in docs, not in scope (at least not if you don’t finish all the tasks)</a:t>
-            </a:r>
-          </a:p>
-          <a:p>
-            <a:r>
-              <a:rPr lang="en-US" dirty="0" smtClean="0"/>
-              <a:t>What gets sent where and how</a:t>
-            </a:r>
-          </a:p>
-          <a:p>
-            <a:r>
-              <a:rPr lang="en-US" dirty="0"/>
-              <a:t>	</a:t>
-            </a:r>
-            <a:r>
-              <a:rPr lang="en-US" dirty="0" smtClean="0"/>
-              <a:t>public</a:t>
-            </a:r>
-          </a:p>
-          <a:p>
-            <a:r>
-              <a:rPr lang="en-US" dirty="0"/>
-              <a:t>	</a:t>
-            </a:r>
-            <a:r>
-              <a:rPr lang="en-US" dirty="0" smtClean="0"/>
-              <a:t>client</a:t>
-            </a:r>
-          </a:p>
-          <a:p>
-            <a:r>
-              <a:rPr lang="en-US" dirty="0"/>
-              <a:t>	</a:t>
-            </a:r>
-            <a:r>
-              <a:rPr lang="en-US" dirty="0" smtClean="0"/>
-              <a:t>server</a:t>
-            </a:r>
-          </a:p>
-          <a:p>
-            <a:r>
-              <a:rPr lang="en-US" dirty="0"/>
-              <a:t>	</a:t>
-            </a:r>
-            <a:r>
-              <a:rPr lang="en-US" dirty="0" smtClean="0"/>
-              <a:t>Other stuff</a:t>
-            </a:r>
+              <a:t>Meteor is very new, and there seems to be no clear proposal for structuring an app.</a:t>
+            </a:r>
+            <a:endParaRPr lang="en-US" dirty="0" smtClean="0"/>
+          </a:p>
+          <a:p>
+            <a:r>
+              <a:rPr lang="en-US" dirty="0" smtClean="0"/>
+              <a:t>Folders to be aware of: </a:t>
+            </a:r>
+            <a:r>
+              <a:rPr lang="en-US" dirty="0" smtClean="0"/>
+              <a:t>public (static files), server and client</a:t>
+            </a:r>
+          </a:p>
+          <a:p>
+            <a:r>
+              <a:rPr lang="en-US" dirty="0" smtClean="0"/>
+              <a:t>Pro-Meteor-tip: forget most of your normal JavaScript standards (require, </a:t>
+            </a:r>
+            <a:r>
+              <a:rPr lang="en-US" smtClean="0"/>
+              <a:t>(function(){})() etc..</a:t>
+            </a:r>
+            <a:endParaRPr lang="en-US" dirty="0" smtClean="0"/>
           </a:p>
           <a:p>
             <a:endParaRPr lang="en-US" dirty="0"/>
@@ -18274,7 +18754,7 @@
 </p:sld>
 </file>
 
-<file path=ppt/slides/slide8.xml><?xml version="1.0" encoding="utf-8"?>
+<file path=ppt/slides/slide9.xml><?xml version="1.0" encoding="utf-8"?>
 <p:sld xmlns:a="http://schemas.openxmlformats.org/drawingml/2006/main" xmlns:r="http://schemas.openxmlformats.org/officeDocument/2006/relationships" xmlns:p="http://schemas.openxmlformats.org/presentationml/2006/main">
   <p:cSld>
     <p:spTree>
